--- a/Mars Lander Assignment.pptx
+++ b/Mars Lander Assignment.pptx
@@ -18,6 +18,17 @@
     <p:sldId id="266" r:id="rId12"/>
     <p:sldId id="267" r:id="rId13"/>
     <p:sldId id="268" r:id="rId14"/>
+    <p:sldId id="269" r:id="rId15"/>
+    <p:sldId id="270" r:id="rId16"/>
+    <p:sldId id="279" r:id="rId17"/>
+    <p:sldId id="271" r:id="rId18"/>
+    <p:sldId id="272" r:id="rId19"/>
+    <p:sldId id="273" r:id="rId20"/>
+    <p:sldId id="274" r:id="rId21"/>
+    <p:sldId id="275" r:id="rId22"/>
+    <p:sldId id="276" r:id="rId23"/>
+    <p:sldId id="278" r:id="rId24"/>
+    <p:sldId id="277" r:id="rId25"/>
   </p:sldIdLst>
   <p:sldSz cx="12192000" cy="6858000"/>
   <p:notesSz cx="6858000" cy="9144000"/>
@@ -273,7 +284,7 @@
           <a:p>
             <a:fld id="{F1DE3725-0552-42FD-8063-C4F5A9729524}" type="datetimeFigureOut">
               <a:rPr lang="en-GB" smtClean="0"/>
-              <a:t>27/08/2023</a:t>
+              <a:t>16/09/2023</a:t>
             </a:fld>
             <a:endParaRPr lang="en-GB"/>
           </a:p>
@@ -473,7 +484,7 @@
           <a:p>
             <a:fld id="{F1DE3725-0552-42FD-8063-C4F5A9729524}" type="datetimeFigureOut">
               <a:rPr lang="en-GB" smtClean="0"/>
-              <a:t>27/08/2023</a:t>
+              <a:t>16/09/2023</a:t>
             </a:fld>
             <a:endParaRPr lang="en-GB"/>
           </a:p>
@@ -683,7 +694,7 @@
           <a:p>
             <a:fld id="{F1DE3725-0552-42FD-8063-C4F5A9729524}" type="datetimeFigureOut">
               <a:rPr lang="en-GB" smtClean="0"/>
-              <a:t>27/08/2023</a:t>
+              <a:t>16/09/2023</a:t>
             </a:fld>
             <a:endParaRPr lang="en-GB"/>
           </a:p>
@@ -883,7 +894,7 @@
           <a:p>
             <a:fld id="{F1DE3725-0552-42FD-8063-C4F5A9729524}" type="datetimeFigureOut">
               <a:rPr lang="en-GB" smtClean="0"/>
-              <a:t>27/08/2023</a:t>
+              <a:t>16/09/2023</a:t>
             </a:fld>
             <a:endParaRPr lang="en-GB"/>
           </a:p>
@@ -1159,7 +1170,7 @@
           <a:p>
             <a:fld id="{F1DE3725-0552-42FD-8063-C4F5A9729524}" type="datetimeFigureOut">
               <a:rPr lang="en-GB" smtClean="0"/>
-              <a:t>27/08/2023</a:t>
+              <a:t>16/09/2023</a:t>
             </a:fld>
             <a:endParaRPr lang="en-GB"/>
           </a:p>
@@ -1427,7 +1438,7 @@
           <a:p>
             <a:fld id="{F1DE3725-0552-42FD-8063-C4F5A9729524}" type="datetimeFigureOut">
               <a:rPr lang="en-GB" smtClean="0"/>
-              <a:t>27/08/2023</a:t>
+              <a:t>16/09/2023</a:t>
             </a:fld>
             <a:endParaRPr lang="en-GB"/>
           </a:p>
@@ -1842,7 +1853,7 @@
           <a:p>
             <a:fld id="{F1DE3725-0552-42FD-8063-C4F5A9729524}" type="datetimeFigureOut">
               <a:rPr lang="en-GB" smtClean="0"/>
-              <a:t>27/08/2023</a:t>
+              <a:t>16/09/2023</a:t>
             </a:fld>
             <a:endParaRPr lang="en-GB"/>
           </a:p>
@@ -1984,7 +1995,7 @@
           <a:p>
             <a:fld id="{F1DE3725-0552-42FD-8063-C4F5A9729524}" type="datetimeFigureOut">
               <a:rPr lang="en-GB" smtClean="0"/>
-              <a:t>27/08/2023</a:t>
+              <a:t>16/09/2023</a:t>
             </a:fld>
             <a:endParaRPr lang="en-GB"/>
           </a:p>
@@ -2097,7 +2108,7 @@
           <a:p>
             <a:fld id="{F1DE3725-0552-42FD-8063-C4F5A9729524}" type="datetimeFigureOut">
               <a:rPr lang="en-GB" smtClean="0"/>
-              <a:t>27/08/2023</a:t>
+              <a:t>16/09/2023</a:t>
             </a:fld>
             <a:endParaRPr lang="en-GB"/>
           </a:p>
@@ -2410,7 +2421,7 @@
           <a:p>
             <a:fld id="{F1DE3725-0552-42FD-8063-C4F5A9729524}" type="datetimeFigureOut">
               <a:rPr lang="en-GB" smtClean="0"/>
-              <a:t>27/08/2023</a:t>
+              <a:t>16/09/2023</a:t>
             </a:fld>
             <a:endParaRPr lang="en-GB"/>
           </a:p>
@@ -2699,7 +2710,7 @@
           <a:p>
             <a:fld id="{F1DE3725-0552-42FD-8063-C4F5A9729524}" type="datetimeFigureOut">
               <a:rPr lang="en-GB" smtClean="0"/>
-              <a:t>27/08/2023</a:t>
+              <a:t>16/09/2023</a:t>
             </a:fld>
             <a:endParaRPr lang="en-GB"/>
           </a:p>
@@ -2942,7 +2953,7 @@
           <a:p>
             <a:fld id="{F1DE3725-0552-42FD-8063-C4F5A9729524}" type="datetimeFigureOut">
               <a:rPr lang="en-GB" smtClean="0"/>
-              <a:t>27/08/2023</a:t>
+              <a:t>16/09/2023</a:t>
             </a:fld>
             <a:endParaRPr lang="en-GB"/>
           </a:p>
@@ -3754,10 +3765,1055 @@
           <a:chExt cx="0" cy="0"/>
         </a:xfrm>
       </p:grpSpPr>
+      <p:pic>
+        <p:nvPicPr>
+          <p:cNvPr id="3" name="图片 2">
+            <a:extLst>
+              <a:ext uri="{FF2B5EF4-FFF2-40B4-BE49-F238E27FC236}">
+                <a16:creationId xmlns:a16="http://schemas.microsoft.com/office/drawing/2014/main" id="{2E64BE34-CCFA-3A0A-8E27-BA49EFBCDE1D}"/>
+              </a:ext>
+            </a:extLst>
+          </p:cNvPr>
+          <p:cNvPicPr>
+            <a:picLocks noChangeAspect="1"/>
+          </p:cNvPicPr>
+          <p:nvPr/>
+        </p:nvPicPr>
+        <p:blipFill>
+          <a:blip r:embed="rId2"/>
+          <a:stretch>
+            <a:fillRect/>
+          </a:stretch>
+        </p:blipFill>
+        <p:spPr>
+          <a:xfrm>
+            <a:off x="8709" y="905449"/>
+            <a:ext cx="6096000" cy="4572000"/>
+          </a:xfrm>
+          <a:prstGeom prst="rect">
+            <a:avLst/>
+          </a:prstGeom>
+        </p:spPr>
+      </p:pic>
+      <p:sp>
+        <p:nvSpPr>
+          <p:cNvPr id="4" name="文本框 3">
+            <a:extLst>
+              <a:ext uri="{FF2B5EF4-FFF2-40B4-BE49-F238E27FC236}">
+                <a16:creationId xmlns:a16="http://schemas.microsoft.com/office/drawing/2014/main" id="{0570718E-E936-7229-6CA6-ADA103362F9F}"/>
+              </a:ext>
+            </a:extLst>
+          </p:cNvPr>
+          <p:cNvSpPr txBox="1"/>
+          <p:nvPr/>
+        </p:nvSpPr>
+        <p:spPr>
+          <a:xfrm>
+            <a:off x="306977" y="705394"/>
+            <a:ext cx="2749732" cy="400110"/>
+          </a:xfrm>
+          <a:prstGeom prst="rect">
+            <a:avLst/>
+          </a:prstGeom>
+          <a:noFill/>
+        </p:spPr>
+        <p:txBody>
+          <a:bodyPr wrap="square" rtlCol="0">
+            <a:spAutoFit/>
+          </a:bodyPr>
+          <a:lstStyle/>
+          <a:p>
+            <a:r>
+              <a:rPr lang="en-GB" sz="2000" dirty="0" err="1"/>
+              <a:t>Cpp</a:t>
+            </a:r>
+            <a:r>
+              <a:rPr lang="en-GB" sz="2000" dirty="0"/>
+              <a:t> Euler integration</a:t>
+            </a:r>
+          </a:p>
+        </p:txBody>
+      </p:sp>
+      <p:sp>
+        <p:nvSpPr>
+          <p:cNvPr id="5" name="文本框 4">
+            <a:extLst>
+              <a:ext uri="{FF2B5EF4-FFF2-40B4-BE49-F238E27FC236}">
+                <a16:creationId xmlns:a16="http://schemas.microsoft.com/office/drawing/2014/main" id="{82868A63-3F6F-D31C-2D94-E174DBB22D44}"/>
+              </a:ext>
+            </a:extLst>
+          </p:cNvPr>
+          <p:cNvSpPr txBox="1"/>
+          <p:nvPr/>
+        </p:nvSpPr>
+        <p:spPr>
+          <a:xfrm>
+            <a:off x="6094912" y="3634880"/>
+            <a:ext cx="6097088" cy="646331"/>
+          </a:xfrm>
+          <a:prstGeom prst="rect">
+            <a:avLst/>
+          </a:prstGeom>
+          <a:noFill/>
+        </p:spPr>
+        <p:txBody>
+          <a:bodyPr wrap="square">
+            <a:spAutoFit/>
+          </a:bodyPr>
+          <a:lstStyle/>
+          <a:p>
+            <a:r>
+              <a:rPr lang="en-US" altLang="zh-CN" dirty="0"/>
+              <a:t>Python execution time: </a:t>
+            </a:r>
+            <a:r>
+              <a:rPr lang="en-US" dirty="0"/>
+              <a:t>0.38007593154907227 s</a:t>
+            </a:r>
+          </a:p>
+          <a:p>
+            <a:r>
+              <a:rPr lang="en-US" dirty="0" err="1"/>
+              <a:t>Cpp</a:t>
+            </a:r>
+            <a:r>
+              <a:rPr lang="en-US" dirty="0"/>
+              <a:t> execution time: 0.531 s</a:t>
+            </a:r>
+            <a:endParaRPr lang="en-GB" dirty="0"/>
+          </a:p>
+        </p:txBody>
+      </p:sp>
     </p:spTree>
     <p:extLst>
       <p:ext uri="{BB962C8B-B14F-4D97-AF65-F5344CB8AC3E}">
         <p14:creationId xmlns:p14="http://schemas.microsoft.com/office/powerpoint/2010/main" val="2072288710"/>
+      </p:ext>
+    </p:extLst>
+  </p:cSld>
+  <p:clrMapOvr>
+    <a:masterClrMapping/>
+  </p:clrMapOvr>
+</p:sld>
+</file>
+
+<file path=ppt/slides/slide14.xml><?xml version="1.0" encoding="utf-8"?>
+<p:sld xmlns:a="http://schemas.openxmlformats.org/drawingml/2006/main" xmlns:r="http://schemas.openxmlformats.org/officeDocument/2006/relationships" xmlns:p="http://schemas.openxmlformats.org/presentationml/2006/main">
+  <p:cSld>
+    <p:spTree>
+      <p:nvGrpSpPr>
+        <p:cNvPr id="1" name=""/>
+        <p:cNvGrpSpPr/>
+        <p:nvPr/>
+      </p:nvGrpSpPr>
+      <p:grpSpPr>
+        <a:xfrm>
+          <a:off x="0" y="0"/>
+          <a:ext cx="0" cy="0"/>
+          <a:chOff x="0" y="0"/>
+          <a:chExt cx="0" cy="0"/>
+        </a:xfrm>
+      </p:grpSpPr>
+      <p:pic>
+        <p:nvPicPr>
+          <p:cNvPr id="3" name="图片 2">
+            <a:extLst>
+              <a:ext uri="{FF2B5EF4-FFF2-40B4-BE49-F238E27FC236}">
+                <a16:creationId xmlns:a16="http://schemas.microsoft.com/office/drawing/2014/main" id="{446BA75B-C6EF-27D7-2A2E-6A72E63E22A8}"/>
+              </a:ext>
+            </a:extLst>
+          </p:cNvPr>
+          <p:cNvPicPr>
+            <a:picLocks noChangeAspect="1"/>
+          </p:cNvPicPr>
+          <p:nvPr/>
+        </p:nvPicPr>
+        <p:blipFill>
+          <a:blip r:embed="rId2"/>
+          <a:stretch>
+            <a:fillRect/>
+          </a:stretch>
+        </p:blipFill>
+        <p:spPr>
+          <a:xfrm>
+            <a:off x="975069" y="984390"/>
+            <a:ext cx="5238788" cy="5072100"/>
+          </a:xfrm>
+          <a:prstGeom prst="rect">
+            <a:avLst/>
+          </a:prstGeom>
+        </p:spPr>
+      </p:pic>
+      <p:sp>
+        <p:nvSpPr>
+          <p:cNvPr id="4" name="文本框 3">
+            <a:extLst>
+              <a:ext uri="{FF2B5EF4-FFF2-40B4-BE49-F238E27FC236}">
+                <a16:creationId xmlns:a16="http://schemas.microsoft.com/office/drawing/2014/main" id="{750D2E8C-814B-1A5A-3F0B-616D5A60FBD6}"/>
+              </a:ext>
+            </a:extLst>
+          </p:cNvPr>
+          <p:cNvSpPr txBox="1"/>
+          <p:nvPr/>
+        </p:nvSpPr>
+        <p:spPr>
+          <a:xfrm>
+            <a:off x="6701246" y="1064623"/>
+            <a:ext cx="3135085" cy="369332"/>
+          </a:xfrm>
+          <a:prstGeom prst="rect">
+            <a:avLst/>
+          </a:prstGeom>
+          <a:noFill/>
+        </p:spPr>
+        <p:txBody>
+          <a:bodyPr wrap="square" rtlCol="0">
+            <a:spAutoFit/>
+          </a:bodyPr>
+          <a:lstStyle/>
+          <a:p>
+            <a:r>
+              <a:rPr lang="en-GB" dirty="0" err="1"/>
+              <a:t>Verlet</a:t>
+            </a:r>
+            <a:r>
+              <a:rPr lang="en-GB" dirty="0"/>
+              <a:t> integration C++ code:</a:t>
+            </a:r>
+          </a:p>
+        </p:txBody>
+      </p:sp>
+    </p:spTree>
+    <p:extLst>
+      <p:ext uri="{BB962C8B-B14F-4D97-AF65-F5344CB8AC3E}">
+        <p14:creationId xmlns:p14="http://schemas.microsoft.com/office/powerpoint/2010/main" val="1124600345"/>
+      </p:ext>
+    </p:extLst>
+  </p:cSld>
+  <p:clrMapOvr>
+    <a:masterClrMapping/>
+  </p:clrMapOvr>
+</p:sld>
+</file>
+
+<file path=ppt/slides/slide15.xml><?xml version="1.0" encoding="utf-8"?>
+<p:sld xmlns:a="http://schemas.openxmlformats.org/drawingml/2006/main" xmlns:r="http://schemas.openxmlformats.org/officeDocument/2006/relationships" xmlns:p="http://schemas.openxmlformats.org/presentationml/2006/main">
+  <p:cSld>
+    <p:spTree>
+      <p:nvGrpSpPr>
+        <p:cNvPr id="1" name=""/>
+        <p:cNvGrpSpPr/>
+        <p:nvPr/>
+      </p:nvGrpSpPr>
+      <p:grpSpPr>
+        <a:xfrm>
+          <a:off x="0" y="0"/>
+          <a:ext cx="0" cy="0"/>
+          <a:chOff x="0" y="0"/>
+          <a:chExt cx="0" cy="0"/>
+        </a:xfrm>
+      </p:grpSpPr>
+      <p:sp>
+        <p:nvSpPr>
+          <p:cNvPr id="2" name="文本框 1">
+            <a:extLst>
+              <a:ext uri="{FF2B5EF4-FFF2-40B4-BE49-F238E27FC236}">
+                <a16:creationId xmlns:a16="http://schemas.microsoft.com/office/drawing/2014/main" id="{6831957F-D85A-9193-B0C1-BC45A2498A16}"/>
+              </a:ext>
+            </a:extLst>
+          </p:cNvPr>
+          <p:cNvSpPr txBox="1"/>
+          <p:nvPr/>
+        </p:nvSpPr>
+        <p:spPr>
+          <a:xfrm>
+            <a:off x="1902278" y="1643896"/>
+            <a:ext cx="8387443" cy="3631763"/>
+          </a:xfrm>
+          <a:prstGeom prst="rect">
+            <a:avLst/>
+          </a:prstGeom>
+          <a:noFill/>
+        </p:spPr>
+        <p:txBody>
+          <a:bodyPr wrap="square" rtlCol="0">
+            <a:spAutoFit/>
+          </a:bodyPr>
+          <a:lstStyle/>
+          <a:p>
+            <a:r>
+              <a:rPr lang="en-GB" sz="2800" b="1" dirty="0"/>
+              <a:t>A</a:t>
+            </a:r>
+            <a:r>
+              <a:rPr lang="en-US" altLang="zh-CN" sz="3200" b="1" dirty="0" err="1"/>
+              <a:t>ssignment</a:t>
+            </a:r>
+            <a:r>
+              <a:rPr lang="en-US" altLang="zh-CN" sz="2800" b="1" dirty="0"/>
+              <a:t> 4: Landing craft simulation</a:t>
+            </a:r>
+          </a:p>
+          <a:p>
+            <a:endParaRPr lang="en-US" dirty="0"/>
+          </a:p>
+          <a:p>
+            <a:r>
+              <a:rPr lang="en-US" dirty="0"/>
+              <a:t>Considering the extra thrust and drag forces, update the lander’s positions and velocity in lander.cpp using both Euler and </a:t>
+            </a:r>
+            <a:r>
+              <a:rPr lang="en-US" dirty="0" err="1"/>
+              <a:t>Verlet</a:t>
+            </a:r>
+            <a:r>
+              <a:rPr lang="en-US" dirty="0"/>
+              <a:t> integrator.</a:t>
+            </a:r>
+          </a:p>
+          <a:p>
+            <a:endParaRPr lang="en-US" dirty="0"/>
+          </a:p>
+          <a:p>
+            <a:r>
+              <a:rPr lang="en-US" dirty="0"/>
+              <a:t>A correct </a:t>
+            </a:r>
+            <a:r>
+              <a:rPr lang="en-US" dirty="0" err="1"/>
+              <a:t>Verlet</a:t>
+            </a:r>
+            <a:r>
+              <a:rPr lang="en-US" dirty="0"/>
+              <a:t>-based simulator should:</a:t>
+            </a:r>
+          </a:p>
+          <a:p>
+            <a:r>
+              <a:rPr lang="en-US" dirty="0"/>
+              <a:t>• Crash the lander after 83.5 s with a final descent rate of 176.1 ms−1 in Scenario 1.</a:t>
+            </a:r>
+          </a:p>
+          <a:p>
+            <a:r>
+              <a:rPr lang="en-US" dirty="0"/>
+              <a:t>• Crash the lander after 42629.6 s with a final descent rate of 172.0 ms−1 in Scenario 4.</a:t>
+            </a:r>
+          </a:p>
+          <a:p>
+            <a:r>
+              <a:rPr lang="en-US" dirty="0"/>
+              <a:t>• Crash the lander after 361.7 s with a final descent rate of 328.7 ms−1 in Scenario 5.</a:t>
+            </a:r>
+          </a:p>
+          <a:p>
+            <a:r>
+              <a:rPr lang="en-US" dirty="0"/>
+              <a:t>Use the simulator to land the craft on the surface without breaking it.</a:t>
+            </a:r>
+          </a:p>
+          <a:p>
+            <a:endParaRPr lang="en-US" dirty="0"/>
+          </a:p>
+          <a:p>
+            <a:r>
+              <a:rPr lang="en-US" dirty="0"/>
+              <a:t>Finally, compare the performance of the Euler and </a:t>
+            </a:r>
+            <a:r>
+              <a:rPr lang="en-US" dirty="0" err="1"/>
+              <a:t>Verlet</a:t>
+            </a:r>
+            <a:r>
+              <a:rPr lang="en-US" dirty="0"/>
+              <a:t> integrators.</a:t>
+            </a:r>
+            <a:endParaRPr lang="en-GB" dirty="0"/>
+          </a:p>
+        </p:txBody>
+      </p:sp>
+    </p:spTree>
+    <p:extLst>
+      <p:ext uri="{BB962C8B-B14F-4D97-AF65-F5344CB8AC3E}">
+        <p14:creationId xmlns:p14="http://schemas.microsoft.com/office/powerpoint/2010/main" val="2639656987"/>
+      </p:ext>
+    </p:extLst>
+  </p:cSld>
+  <p:clrMapOvr>
+    <a:masterClrMapping/>
+  </p:clrMapOvr>
+</p:sld>
+</file>
+
+<file path=ppt/slides/slide16.xml><?xml version="1.0" encoding="utf-8"?>
+<p:sld xmlns:a="http://schemas.openxmlformats.org/drawingml/2006/main" xmlns:r="http://schemas.openxmlformats.org/officeDocument/2006/relationships" xmlns:p="http://schemas.openxmlformats.org/presentationml/2006/main">
+  <p:cSld>
+    <p:spTree>
+      <p:nvGrpSpPr>
+        <p:cNvPr id="1" name=""/>
+        <p:cNvGrpSpPr/>
+        <p:nvPr/>
+      </p:nvGrpSpPr>
+      <p:grpSpPr>
+        <a:xfrm>
+          <a:off x="0" y="0"/>
+          <a:ext cx="0" cy="0"/>
+          <a:chOff x="0" y="0"/>
+          <a:chExt cx="0" cy="0"/>
+        </a:xfrm>
+      </p:grpSpPr>
+      <p:pic>
+        <p:nvPicPr>
+          <p:cNvPr id="3" name="图片 2">
+            <a:extLst>
+              <a:ext uri="{FF2B5EF4-FFF2-40B4-BE49-F238E27FC236}">
+                <a16:creationId xmlns:a16="http://schemas.microsoft.com/office/drawing/2014/main" id="{CEEAD65A-0A77-86C6-7EE2-F699ACF0771C}"/>
+              </a:ext>
+            </a:extLst>
+          </p:cNvPr>
+          <p:cNvPicPr>
+            <a:picLocks noChangeAspect="1"/>
+          </p:cNvPicPr>
+          <p:nvPr/>
+        </p:nvPicPr>
+        <p:blipFill>
+          <a:blip r:embed="rId2"/>
+          <a:stretch>
+            <a:fillRect/>
+          </a:stretch>
+        </p:blipFill>
+        <p:spPr>
+          <a:xfrm>
+            <a:off x="0" y="0"/>
+            <a:ext cx="6805662" cy="5086387"/>
+          </a:xfrm>
+          <a:prstGeom prst="rect">
+            <a:avLst/>
+          </a:prstGeom>
+        </p:spPr>
+      </p:pic>
+      <p:pic>
+        <p:nvPicPr>
+          <p:cNvPr id="5" name="图片 4">
+            <a:extLst>
+              <a:ext uri="{FF2B5EF4-FFF2-40B4-BE49-F238E27FC236}">
+                <a16:creationId xmlns:a16="http://schemas.microsoft.com/office/drawing/2014/main" id="{C1516694-129A-8D26-B5A6-DD1534A32FD8}"/>
+              </a:ext>
+            </a:extLst>
+          </p:cNvPr>
+          <p:cNvPicPr>
+            <a:picLocks noChangeAspect="1"/>
+          </p:cNvPicPr>
+          <p:nvPr/>
+        </p:nvPicPr>
+        <p:blipFill>
+          <a:blip r:embed="rId3"/>
+          <a:stretch>
+            <a:fillRect/>
+          </a:stretch>
+        </p:blipFill>
+        <p:spPr>
+          <a:xfrm>
+            <a:off x="4572787" y="3553712"/>
+            <a:ext cx="5938374" cy="3381574"/>
+          </a:xfrm>
+          <a:prstGeom prst="rect">
+            <a:avLst/>
+          </a:prstGeom>
+        </p:spPr>
+      </p:pic>
+      <p:sp>
+        <p:nvSpPr>
+          <p:cNvPr id="6" name="文本框 5">
+            <a:extLst>
+              <a:ext uri="{FF2B5EF4-FFF2-40B4-BE49-F238E27FC236}">
+                <a16:creationId xmlns:a16="http://schemas.microsoft.com/office/drawing/2014/main" id="{11A45109-6954-FC63-E783-085F91FEB42C}"/>
+              </a:ext>
+            </a:extLst>
+          </p:cNvPr>
+          <p:cNvSpPr txBox="1"/>
+          <p:nvPr/>
+        </p:nvSpPr>
+        <p:spPr>
+          <a:xfrm>
+            <a:off x="7297445" y="1376039"/>
+            <a:ext cx="3071673" cy="369332"/>
+          </a:xfrm>
+          <a:prstGeom prst="rect">
+            <a:avLst/>
+          </a:prstGeom>
+          <a:noFill/>
+        </p:spPr>
+        <p:txBody>
+          <a:bodyPr wrap="square" rtlCol="0">
+            <a:spAutoFit/>
+          </a:bodyPr>
+          <a:lstStyle/>
+          <a:p>
+            <a:r>
+              <a:rPr lang="en-GB" dirty="0"/>
+              <a:t>Code of numerical integration</a:t>
+            </a:r>
+          </a:p>
+        </p:txBody>
+      </p:sp>
+    </p:spTree>
+    <p:extLst>
+      <p:ext uri="{BB962C8B-B14F-4D97-AF65-F5344CB8AC3E}">
+        <p14:creationId xmlns:p14="http://schemas.microsoft.com/office/powerpoint/2010/main" val="563997900"/>
+      </p:ext>
+    </p:extLst>
+  </p:cSld>
+  <p:clrMapOvr>
+    <a:masterClrMapping/>
+  </p:clrMapOvr>
+</p:sld>
+</file>
+
+<file path=ppt/slides/slide17.xml><?xml version="1.0" encoding="utf-8"?>
+<p:sld xmlns:a="http://schemas.openxmlformats.org/drawingml/2006/main" xmlns:r="http://schemas.openxmlformats.org/officeDocument/2006/relationships" xmlns:p="http://schemas.openxmlformats.org/presentationml/2006/main">
+  <p:cSld>
+    <p:spTree>
+      <p:nvGrpSpPr>
+        <p:cNvPr id="1" name=""/>
+        <p:cNvGrpSpPr/>
+        <p:nvPr/>
+      </p:nvGrpSpPr>
+      <p:grpSpPr>
+        <a:xfrm>
+          <a:off x="0" y="0"/>
+          <a:ext cx="0" cy="0"/>
+          <a:chOff x="0" y="0"/>
+          <a:chExt cx="0" cy="0"/>
+        </a:xfrm>
+      </p:grpSpPr>
+      <p:pic>
+        <p:nvPicPr>
+          <p:cNvPr id="3" name="图片 2">
+            <a:extLst>
+              <a:ext uri="{FF2B5EF4-FFF2-40B4-BE49-F238E27FC236}">
+                <a16:creationId xmlns:a16="http://schemas.microsoft.com/office/drawing/2014/main" id="{2D58094B-AE5E-9563-6ECD-B2823DC5E175}"/>
+              </a:ext>
+            </a:extLst>
+          </p:cNvPr>
+          <p:cNvPicPr>
+            <a:picLocks noChangeAspect="1"/>
+          </p:cNvPicPr>
+          <p:nvPr/>
+        </p:nvPicPr>
+        <p:blipFill>
+          <a:blip r:embed="rId2"/>
+          <a:stretch>
+            <a:fillRect/>
+          </a:stretch>
+        </p:blipFill>
+        <p:spPr>
+          <a:xfrm>
+            <a:off x="136932" y="176348"/>
+            <a:ext cx="8030218" cy="6270171"/>
+          </a:xfrm>
+          <a:prstGeom prst="rect">
+            <a:avLst/>
+          </a:prstGeom>
+        </p:spPr>
+      </p:pic>
+      <p:sp>
+        <p:nvSpPr>
+          <p:cNvPr id="4" name="椭圆 3">
+            <a:extLst>
+              <a:ext uri="{FF2B5EF4-FFF2-40B4-BE49-F238E27FC236}">
+                <a16:creationId xmlns:a16="http://schemas.microsoft.com/office/drawing/2014/main" id="{ACDB7E2E-CEFD-6F3D-2A07-E380E0CF0697}"/>
+              </a:ext>
+            </a:extLst>
+          </p:cNvPr>
+          <p:cNvSpPr/>
+          <p:nvPr/>
+        </p:nvSpPr>
+        <p:spPr>
+          <a:xfrm>
+            <a:off x="7067007" y="4317274"/>
+            <a:ext cx="816428" cy="300446"/>
+          </a:xfrm>
+          <a:prstGeom prst="ellipse">
+            <a:avLst/>
+          </a:prstGeom>
+          <a:noFill/>
+          <a:ln w="19050">
+            <a:solidFill>
+              <a:schemeClr val="accent2"/>
+            </a:solidFill>
+          </a:ln>
+        </p:spPr>
+        <p:style>
+          <a:lnRef idx="2">
+            <a:schemeClr val="accent1">
+              <a:shade val="15000"/>
+            </a:schemeClr>
+          </a:lnRef>
+          <a:fillRef idx="1">
+            <a:schemeClr val="accent1"/>
+          </a:fillRef>
+          <a:effectRef idx="0">
+            <a:schemeClr val="accent1"/>
+          </a:effectRef>
+          <a:fontRef idx="minor">
+            <a:schemeClr val="lt1"/>
+          </a:fontRef>
+        </p:style>
+        <p:txBody>
+          <a:bodyPr rtlCol="0" anchor="ctr"/>
+          <a:lstStyle/>
+          <a:p>
+            <a:pPr algn="ctr"/>
+            <a:endParaRPr lang="en-GB"/>
+          </a:p>
+        </p:txBody>
+      </p:sp>
+      <p:sp>
+        <p:nvSpPr>
+          <p:cNvPr id="5" name="椭圆 4">
+            <a:extLst>
+              <a:ext uri="{FF2B5EF4-FFF2-40B4-BE49-F238E27FC236}">
+                <a16:creationId xmlns:a16="http://schemas.microsoft.com/office/drawing/2014/main" id="{F432BCC7-F3FC-72CF-26C2-5FA28A0D0122}"/>
+              </a:ext>
+            </a:extLst>
+          </p:cNvPr>
+          <p:cNvSpPr/>
+          <p:nvPr/>
+        </p:nvSpPr>
+        <p:spPr>
+          <a:xfrm>
+            <a:off x="3098075" y="6063343"/>
+            <a:ext cx="816428" cy="300446"/>
+          </a:xfrm>
+          <a:prstGeom prst="ellipse">
+            <a:avLst/>
+          </a:prstGeom>
+          <a:noFill/>
+          <a:ln w="19050">
+            <a:solidFill>
+              <a:schemeClr val="accent2"/>
+            </a:solidFill>
+          </a:ln>
+        </p:spPr>
+        <p:style>
+          <a:lnRef idx="2">
+            <a:schemeClr val="accent1">
+              <a:shade val="15000"/>
+            </a:schemeClr>
+          </a:lnRef>
+          <a:fillRef idx="1">
+            <a:schemeClr val="accent1"/>
+          </a:fillRef>
+          <a:effectRef idx="0">
+            <a:schemeClr val="accent1"/>
+          </a:effectRef>
+          <a:fontRef idx="minor">
+            <a:schemeClr val="lt1"/>
+          </a:fontRef>
+        </p:style>
+        <p:txBody>
+          <a:bodyPr rtlCol="0" anchor="ctr"/>
+          <a:lstStyle/>
+          <a:p>
+            <a:pPr algn="ctr"/>
+            <a:endParaRPr lang="en-GB"/>
+          </a:p>
+        </p:txBody>
+      </p:sp>
+      <p:sp>
+        <p:nvSpPr>
+          <p:cNvPr id="6" name="文本框 5">
+            <a:extLst>
+              <a:ext uri="{FF2B5EF4-FFF2-40B4-BE49-F238E27FC236}">
+                <a16:creationId xmlns:a16="http://schemas.microsoft.com/office/drawing/2014/main" id="{5B52B9F0-6C1C-596B-9260-7F3D16003B56}"/>
+              </a:ext>
+            </a:extLst>
+          </p:cNvPr>
+          <p:cNvSpPr txBox="1"/>
+          <p:nvPr/>
+        </p:nvSpPr>
+        <p:spPr>
+          <a:xfrm>
+            <a:off x="8608422" y="1195251"/>
+            <a:ext cx="3324497" cy="369332"/>
+          </a:xfrm>
+          <a:prstGeom prst="rect">
+            <a:avLst/>
+          </a:prstGeom>
+          <a:noFill/>
+        </p:spPr>
+        <p:txBody>
+          <a:bodyPr wrap="square" rtlCol="0">
+            <a:spAutoFit/>
+          </a:bodyPr>
+          <a:lstStyle/>
+          <a:p>
+            <a:r>
+              <a:rPr lang="en-GB" dirty="0"/>
+              <a:t>Scenario 1 fits the results given.</a:t>
+            </a:r>
+          </a:p>
+        </p:txBody>
+      </p:sp>
+    </p:spTree>
+    <p:extLst>
+      <p:ext uri="{BB962C8B-B14F-4D97-AF65-F5344CB8AC3E}">
+        <p14:creationId xmlns:p14="http://schemas.microsoft.com/office/powerpoint/2010/main" val="3812759980"/>
+      </p:ext>
+    </p:extLst>
+  </p:cSld>
+  <p:clrMapOvr>
+    <a:masterClrMapping/>
+  </p:clrMapOvr>
+</p:sld>
+</file>
+
+<file path=ppt/slides/slide18.xml><?xml version="1.0" encoding="utf-8"?>
+<p:sld xmlns:a="http://schemas.openxmlformats.org/drawingml/2006/main" xmlns:r="http://schemas.openxmlformats.org/officeDocument/2006/relationships" xmlns:p="http://schemas.openxmlformats.org/presentationml/2006/main">
+  <p:cSld>
+    <p:spTree>
+      <p:nvGrpSpPr>
+        <p:cNvPr id="1" name=""/>
+        <p:cNvGrpSpPr/>
+        <p:nvPr/>
+      </p:nvGrpSpPr>
+      <p:grpSpPr>
+        <a:xfrm>
+          <a:off x="0" y="0"/>
+          <a:ext cx="0" cy="0"/>
+          <a:chOff x="0" y="0"/>
+          <a:chExt cx="0" cy="0"/>
+        </a:xfrm>
+      </p:grpSpPr>
+      <p:pic>
+        <p:nvPicPr>
+          <p:cNvPr id="3" name="图片 2">
+            <a:extLst>
+              <a:ext uri="{FF2B5EF4-FFF2-40B4-BE49-F238E27FC236}">
+                <a16:creationId xmlns:a16="http://schemas.microsoft.com/office/drawing/2014/main" id="{C0772F6F-7D64-5931-88B0-BCFB3C95F771}"/>
+              </a:ext>
+            </a:extLst>
+          </p:cNvPr>
+          <p:cNvPicPr>
+            <a:picLocks noChangeAspect="1"/>
+          </p:cNvPicPr>
+          <p:nvPr/>
+        </p:nvPicPr>
+        <p:blipFill>
+          <a:blip r:embed="rId2"/>
+          <a:stretch>
+            <a:fillRect/>
+          </a:stretch>
+        </p:blipFill>
+        <p:spPr>
+          <a:xfrm>
+            <a:off x="96063" y="101237"/>
+            <a:ext cx="8615743" cy="6655526"/>
+          </a:xfrm>
+          <a:prstGeom prst="rect">
+            <a:avLst/>
+          </a:prstGeom>
+        </p:spPr>
+      </p:pic>
+      <p:sp>
+        <p:nvSpPr>
+          <p:cNvPr id="6" name="椭圆 5">
+            <a:extLst>
+              <a:ext uri="{FF2B5EF4-FFF2-40B4-BE49-F238E27FC236}">
+                <a16:creationId xmlns:a16="http://schemas.microsoft.com/office/drawing/2014/main" id="{74007039-A3E5-C2DD-CFBC-53FC15C6655B}"/>
+              </a:ext>
+            </a:extLst>
+          </p:cNvPr>
+          <p:cNvSpPr/>
+          <p:nvPr/>
+        </p:nvSpPr>
+        <p:spPr>
+          <a:xfrm>
+            <a:off x="7617823" y="4541520"/>
+            <a:ext cx="816428" cy="300446"/>
+          </a:xfrm>
+          <a:prstGeom prst="ellipse">
+            <a:avLst/>
+          </a:prstGeom>
+          <a:noFill/>
+          <a:ln w="19050">
+            <a:solidFill>
+              <a:schemeClr val="accent2"/>
+            </a:solidFill>
+          </a:ln>
+        </p:spPr>
+        <p:style>
+          <a:lnRef idx="2">
+            <a:schemeClr val="accent1">
+              <a:shade val="15000"/>
+            </a:schemeClr>
+          </a:lnRef>
+          <a:fillRef idx="1">
+            <a:schemeClr val="accent1"/>
+          </a:fillRef>
+          <a:effectRef idx="0">
+            <a:schemeClr val="accent1"/>
+          </a:effectRef>
+          <a:fontRef idx="minor">
+            <a:schemeClr val="lt1"/>
+          </a:fontRef>
+        </p:style>
+        <p:txBody>
+          <a:bodyPr rtlCol="0" anchor="ctr"/>
+          <a:lstStyle/>
+          <a:p>
+            <a:pPr algn="ctr"/>
+            <a:endParaRPr lang="en-GB"/>
+          </a:p>
+        </p:txBody>
+      </p:sp>
+      <p:pic>
+        <p:nvPicPr>
+          <p:cNvPr id="7" name="图片 6">
+            <a:extLst>
+              <a:ext uri="{FF2B5EF4-FFF2-40B4-BE49-F238E27FC236}">
+                <a16:creationId xmlns:a16="http://schemas.microsoft.com/office/drawing/2014/main" id="{B3F14B36-CFC1-7FE8-E833-30F696BEA035}"/>
+              </a:ext>
+            </a:extLst>
+          </p:cNvPr>
+          <p:cNvPicPr>
+            <a:picLocks noChangeAspect="1"/>
+          </p:cNvPicPr>
+          <p:nvPr/>
+        </p:nvPicPr>
+        <p:blipFill>
+          <a:blip r:embed="rId3"/>
+          <a:stretch>
+            <a:fillRect/>
+          </a:stretch>
+        </p:blipFill>
+        <p:spPr>
+          <a:xfrm>
+            <a:off x="3222570" y="6361612"/>
+            <a:ext cx="835224" cy="334858"/>
+          </a:xfrm>
+          <a:prstGeom prst="rect">
+            <a:avLst/>
+          </a:prstGeom>
+        </p:spPr>
+      </p:pic>
+      <p:sp>
+        <p:nvSpPr>
+          <p:cNvPr id="8" name="文本框 7">
+            <a:extLst>
+              <a:ext uri="{FF2B5EF4-FFF2-40B4-BE49-F238E27FC236}">
+                <a16:creationId xmlns:a16="http://schemas.microsoft.com/office/drawing/2014/main" id="{5D67FBC0-772D-446B-5603-9FCD0D272A6C}"/>
+              </a:ext>
+            </a:extLst>
+          </p:cNvPr>
+          <p:cNvSpPr txBox="1"/>
+          <p:nvPr/>
+        </p:nvSpPr>
+        <p:spPr>
+          <a:xfrm>
+            <a:off x="8771440" y="1064623"/>
+            <a:ext cx="3324497" cy="369332"/>
+          </a:xfrm>
+          <a:prstGeom prst="rect">
+            <a:avLst/>
+          </a:prstGeom>
+          <a:noFill/>
+        </p:spPr>
+        <p:txBody>
+          <a:bodyPr wrap="square" rtlCol="0">
+            <a:spAutoFit/>
+          </a:bodyPr>
+          <a:lstStyle/>
+          <a:p>
+            <a:r>
+              <a:rPr lang="en-GB" dirty="0"/>
+              <a:t>Scenario 4 fits the results given.</a:t>
+            </a:r>
+          </a:p>
+        </p:txBody>
+      </p:sp>
+    </p:spTree>
+    <p:extLst>
+      <p:ext uri="{BB962C8B-B14F-4D97-AF65-F5344CB8AC3E}">
+        <p14:creationId xmlns:p14="http://schemas.microsoft.com/office/powerpoint/2010/main" val="3977825456"/>
+      </p:ext>
+    </p:extLst>
+  </p:cSld>
+  <p:clrMapOvr>
+    <a:masterClrMapping/>
+  </p:clrMapOvr>
+</p:sld>
+</file>
+
+<file path=ppt/slides/slide19.xml><?xml version="1.0" encoding="utf-8"?>
+<p:sld xmlns:a="http://schemas.openxmlformats.org/drawingml/2006/main" xmlns:r="http://schemas.openxmlformats.org/officeDocument/2006/relationships" xmlns:p="http://schemas.openxmlformats.org/presentationml/2006/main">
+  <p:cSld>
+    <p:spTree>
+      <p:nvGrpSpPr>
+        <p:cNvPr id="1" name=""/>
+        <p:cNvGrpSpPr/>
+        <p:nvPr/>
+      </p:nvGrpSpPr>
+      <p:grpSpPr>
+        <a:xfrm>
+          <a:off x="0" y="0"/>
+          <a:ext cx="0" cy="0"/>
+          <a:chOff x="0" y="0"/>
+          <a:chExt cx="0" cy="0"/>
+        </a:xfrm>
+      </p:grpSpPr>
+      <p:pic>
+        <p:nvPicPr>
+          <p:cNvPr id="3" name="图片 2">
+            <a:extLst>
+              <a:ext uri="{FF2B5EF4-FFF2-40B4-BE49-F238E27FC236}">
+                <a16:creationId xmlns:a16="http://schemas.microsoft.com/office/drawing/2014/main" id="{8FC82E80-29D4-75BD-1D5C-B8DF41455AF6}"/>
+              </a:ext>
+            </a:extLst>
+          </p:cNvPr>
+          <p:cNvPicPr>
+            <a:picLocks noChangeAspect="1"/>
+          </p:cNvPicPr>
+          <p:nvPr/>
+        </p:nvPicPr>
+        <p:blipFill>
+          <a:blip r:embed="rId2"/>
+          <a:stretch>
+            <a:fillRect/>
+          </a:stretch>
+        </p:blipFill>
+        <p:spPr>
+          <a:xfrm>
+            <a:off x="215537" y="132282"/>
+            <a:ext cx="8490857" cy="6593435"/>
+          </a:xfrm>
+          <a:prstGeom prst="rect">
+            <a:avLst/>
+          </a:prstGeom>
+        </p:spPr>
+      </p:pic>
+      <p:sp>
+        <p:nvSpPr>
+          <p:cNvPr id="4" name="椭圆 3">
+            <a:extLst>
+              <a:ext uri="{FF2B5EF4-FFF2-40B4-BE49-F238E27FC236}">
+                <a16:creationId xmlns:a16="http://schemas.microsoft.com/office/drawing/2014/main" id="{3D71FC83-EB39-E77B-8FA6-68034AB8E5CD}"/>
+              </a:ext>
+            </a:extLst>
+          </p:cNvPr>
+          <p:cNvSpPr/>
+          <p:nvPr/>
+        </p:nvSpPr>
+        <p:spPr>
+          <a:xfrm>
+            <a:off x="7617823" y="4541520"/>
+            <a:ext cx="816428" cy="300446"/>
+          </a:xfrm>
+          <a:prstGeom prst="ellipse">
+            <a:avLst/>
+          </a:prstGeom>
+          <a:noFill/>
+          <a:ln w="19050">
+            <a:solidFill>
+              <a:schemeClr val="accent2"/>
+            </a:solidFill>
+          </a:ln>
+        </p:spPr>
+        <p:style>
+          <a:lnRef idx="2">
+            <a:schemeClr val="accent1">
+              <a:shade val="15000"/>
+            </a:schemeClr>
+          </a:lnRef>
+          <a:fillRef idx="1">
+            <a:schemeClr val="accent1"/>
+          </a:fillRef>
+          <a:effectRef idx="0">
+            <a:schemeClr val="accent1"/>
+          </a:effectRef>
+          <a:fontRef idx="minor">
+            <a:schemeClr val="lt1"/>
+          </a:fontRef>
+        </p:style>
+        <p:txBody>
+          <a:bodyPr rtlCol="0" anchor="ctr"/>
+          <a:lstStyle/>
+          <a:p>
+            <a:pPr algn="ctr"/>
+            <a:endParaRPr lang="en-GB"/>
+          </a:p>
+        </p:txBody>
+      </p:sp>
+      <p:pic>
+        <p:nvPicPr>
+          <p:cNvPr id="5" name="图片 4">
+            <a:extLst>
+              <a:ext uri="{FF2B5EF4-FFF2-40B4-BE49-F238E27FC236}">
+                <a16:creationId xmlns:a16="http://schemas.microsoft.com/office/drawing/2014/main" id="{20D94CD7-8DFA-3A64-7F9C-D783715FD906}"/>
+              </a:ext>
+            </a:extLst>
+          </p:cNvPr>
+          <p:cNvPicPr>
+            <a:picLocks noChangeAspect="1"/>
+          </p:cNvPicPr>
+          <p:nvPr/>
+        </p:nvPicPr>
+        <p:blipFill>
+          <a:blip r:embed="rId3"/>
+          <a:stretch>
+            <a:fillRect/>
+          </a:stretch>
+        </p:blipFill>
+        <p:spPr>
+          <a:xfrm>
+            <a:off x="3366263" y="6318054"/>
+            <a:ext cx="835224" cy="335309"/>
+          </a:xfrm>
+          <a:prstGeom prst="rect">
+            <a:avLst/>
+          </a:prstGeom>
+        </p:spPr>
+      </p:pic>
+      <p:sp>
+        <p:nvSpPr>
+          <p:cNvPr id="7" name="文本框 6">
+            <a:extLst>
+              <a:ext uri="{FF2B5EF4-FFF2-40B4-BE49-F238E27FC236}">
+                <a16:creationId xmlns:a16="http://schemas.microsoft.com/office/drawing/2014/main" id="{BD74631E-FD12-FE81-CE7C-E849A09A3FF3}"/>
+              </a:ext>
+            </a:extLst>
+          </p:cNvPr>
+          <p:cNvSpPr txBox="1"/>
+          <p:nvPr/>
+        </p:nvSpPr>
+        <p:spPr>
+          <a:xfrm>
+            <a:off x="8771440" y="1064623"/>
+            <a:ext cx="3324497" cy="646331"/>
+          </a:xfrm>
+          <a:prstGeom prst="rect">
+            <a:avLst/>
+          </a:prstGeom>
+          <a:noFill/>
+        </p:spPr>
+        <p:txBody>
+          <a:bodyPr wrap="square" rtlCol="0">
+            <a:spAutoFit/>
+          </a:bodyPr>
+          <a:lstStyle/>
+          <a:p>
+            <a:r>
+              <a:rPr lang="en-GB" dirty="0"/>
+              <a:t>Scenario 5 is very close to the results given.</a:t>
+            </a:r>
+          </a:p>
+        </p:txBody>
+      </p:sp>
+    </p:spTree>
+    <p:extLst>
+      <p:ext uri="{BB962C8B-B14F-4D97-AF65-F5344CB8AC3E}">
+        <p14:creationId xmlns:p14="http://schemas.microsoft.com/office/powerpoint/2010/main" val="2673093199"/>
       </p:ext>
     </p:extLst>
   </p:cSld>
@@ -3875,6 +4931,693 @@
     <p:extLst>
       <p:ext uri="{BB962C8B-B14F-4D97-AF65-F5344CB8AC3E}">
         <p14:creationId xmlns:p14="http://schemas.microsoft.com/office/powerpoint/2010/main" val="4129397673"/>
+      </p:ext>
+    </p:extLst>
+  </p:cSld>
+  <p:clrMapOvr>
+    <a:masterClrMapping/>
+  </p:clrMapOvr>
+</p:sld>
+</file>
+
+<file path=ppt/slides/slide20.xml><?xml version="1.0" encoding="utf-8"?>
+<p:sld xmlns:a="http://schemas.openxmlformats.org/drawingml/2006/main" xmlns:r="http://schemas.openxmlformats.org/officeDocument/2006/relationships" xmlns:p="http://schemas.openxmlformats.org/presentationml/2006/main">
+  <p:cSld>
+    <p:spTree>
+      <p:nvGrpSpPr>
+        <p:cNvPr id="1" name=""/>
+        <p:cNvGrpSpPr/>
+        <p:nvPr/>
+      </p:nvGrpSpPr>
+      <p:grpSpPr>
+        <a:xfrm>
+          <a:off x="0" y="0"/>
+          <a:ext cx="0" cy="0"/>
+          <a:chOff x="0" y="0"/>
+          <a:chExt cx="0" cy="0"/>
+        </a:xfrm>
+      </p:grpSpPr>
+      <p:pic>
+        <p:nvPicPr>
+          <p:cNvPr id="3" name="图片 2">
+            <a:extLst>
+              <a:ext uri="{FF2B5EF4-FFF2-40B4-BE49-F238E27FC236}">
+                <a16:creationId xmlns:a16="http://schemas.microsoft.com/office/drawing/2014/main" id="{FB2E0B99-CE77-2AC7-5CAB-6EC81457047A}"/>
+              </a:ext>
+            </a:extLst>
+          </p:cNvPr>
+          <p:cNvPicPr>
+            <a:picLocks noChangeAspect="1"/>
+          </p:cNvPicPr>
+          <p:nvPr/>
+        </p:nvPicPr>
+        <p:blipFill>
+          <a:blip r:embed="rId2"/>
+          <a:stretch>
+            <a:fillRect/>
+          </a:stretch>
+        </p:blipFill>
+        <p:spPr>
+          <a:xfrm>
+            <a:off x="3415937" y="73194"/>
+            <a:ext cx="8776063" cy="6711611"/>
+          </a:xfrm>
+          <a:prstGeom prst="rect">
+            <a:avLst/>
+          </a:prstGeom>
+        </p:spPr>
+      </p:pic>
+      <p:sp>
+        <p:nvSpPr>
+          <p:cNvPr id="4" name="文本框 3">
+            <a:extLst>
+              <a:ext uri="{FF2B5EF4-FFF2-40B4-BE49-F238E27FC236}">
+                <a16:creationId xmlns:a16="http://schemas.microsoft.com/office/drawing/2014/main" id="{2E869568-EFED-F83A-1A66-8F721E77EC16}"/>
+              </a:ext>
+            </a:extLst>
+          </p:cNvPr>
+          <p:cNvSpPr txBox="1"/>
+          <p:nvPr/>
+        </p:nvSpPr>
+        <p:spPr>
+          <a:xfrm>
+            <a:off x="150223" y="1619794"/>
+            <a:ext cx="3076303" cy="646331"/>
+          </a:xfrm>
+          <a:prstGeom prst="rect">
+            <a:avLst/>
+          </a:prstGeom>
+          <a:noFill/>
+        </p:spPr>
+        <p:txBody>
+          <a:bodyPr wrap="square" rtlCol="0">
+            <a:spAutoFit/>
+          </a:bodyPr>
+          <a:lstStyle/>
+          <a:p>
+            <a:r>
+              <a:rPr lang="en-US" dirty="0"/>
+              <a:t>Successfully landed without breaking in scenario 1.</a:t>
+            </a:r>
+            <a:endParaRPr lang="en-GB" dirty="0"/>
+          </a:p>
+        </p:txBody>
+      </p:sp>
+    </p:spTree>
+    <p:extLst>
+      <p:ext uri="{BB962C8B-B14F-4D97-AF65-F5344CB8AC3E}">
+        <p14:creationId xmlns:p14="http://schemas.microsoft.com/office/powerpoint/2010/main" val="2961450991"/>
+      </p:ext>
+    </p:extLst>
+  </p:cSld>
+  <p:clrMapOvr>
+    <a:masterClrMapping/>
+  </p:clrMapOvr>
+</p:sld>
+</file>
+
+<file path=ppt/slides/slide21.xml><?xml version="1.0" encoding="utf-8"?>
+<p:sld xmlns:a="http://schemas.openxmlformats.org/drawingml/2006/main" xmlns:r="http://schemas.openxmlformats.org/officeDocument/2006/relationships" xmlns:p="http://schemas.openxmlformats.org/presentationml/2006/main">
+  <p:cSld>
+    <p:spTree>
+      <p:nvGrpSpPr>
+        <p:cNvPr id="1" name=""/>
+        <p:cNvGrpSpPr/>
+        <p:nvPr/>
+      </p:nvGrpSpPr>
+      <p:grpSpPr>
+        <a:xfrm>
+          <a:off x="0" y="0"/>
+          <a:ext cx="0" cy="0"/>
+          <a:chOff x="0" y="0"/>
+          <a:chExt cx="0" cy="0"/>
+        </a:xfrm>
+      </p:grpSpPr>
+      <p:pic>
+        <p:nvPicPr>
+          <p:cNvPr id="3" name="图片 2">
+            <a:extLst>
+              <a:ext uri="{FF2B5EF4-FFF2-40B4-BE49-F238E27FC236}">
+                <a16:creationId xmlns:a16="http://schemas.microsoft.com/office/drawing/2014/main" id="{E6C6BF5C-8CDF-FE36-7118-10BA1C9EDC71}"/>
+              </a:ext>
+            </a:extLst>
+          </p:cNvPr>
+          <p:cNvPicPr>
+            <a:picLocks noChangeAspect="1"/>
+          </p:cNvPicPr>
+          <p:nvPr/>
+        </p:nvPicPr>
+        <p:blipFill>
+          <a:blip r:embed="rId2"/>
+          <a:stretch>
+            <a:fillRect/>
+          </a:stretch>
+        </p:blipFill>
+        <p:spPr>
+          <a:xfrm>
+            <a:off x="5588726" y="1775749"/>
+            <a:ext cx="6556104" cy="5144070"/>
+          </a:xfrm>
+          <a:prstGeom prst="rect">
+            <a:avLst/>
+          </a:prstGeom>
+        </p:spPr>
+      </p:pic>
+      <p:pic>
+        <p:nvPicPr>
+          <p:cNvPr id="4" name="图片 3">
+            <a:extLst>
+              <a:ext uri="{FF2B5EF4-FFF2-40B4-BE49-F238E27FC236}">
+                <a16:creationId xmlns:a16="http://schemas.microsoft.com/office/drawing/2014/main" id="{B50DD73A-03BB-3C90-DFB5-D4D069F8AD17}"/>
+              </a:ext>
+            </a:extLst>
+          </p:cNvPr>
+          <p:cNvPicPr>
+            <a:picLocks noChangeAspect="1"/>
+          </p:cNvPicPr>
+          <p:nvPr/>
+        </p:nvPicPr>
+        <p:blipFill>
+          <a:blip r:embed="rId3"/>
+          <a:stretch>
+            <a:fillRect/>
+          </a:stretch>
+        </p:blipFill>
+        <p:spPr>
+          <a:xfrm>
+            <a:off x="47170" y="2351314"/>
+            <a:ext cx="5836799" cy="4506686"/>
+          </a:xfrm>
+          <a:prstGeom prst="rect">
+            <a:avLst/>
+          </a:prstGeom>
+        </p:spPr>
+      </p:pic>
+      <p:sp>
+        <p:nvSpPr>
+          <p:cNvPr id="5" name="文本框 4">
+            <a:extLst>
+              <a:ext uri="{FF2B5EF4-FFF2-40B4-BE49-F238E27FC236}">
+                <a16:creationId xmlns:a16="http://schemas.microsoft.com/office/drawing/2014/main" id="{1709B2D5-A52A-709F-EFBB-F96CA794F5E9}"/>
+              </a:ext>
+            </a:extLst>
+          </p:cNvPr>
+          <p:cNvSpPr txBox="1"/>
+          <p:nvPr/>
+        </p:nvSpPr>
+        <p:spPr>
+          <a:xfrm>
+            <a:off x="459617" y="206089"/>
+            <a:ext cx="10848703" cy="1569660"/>
+          </a:xfrm>
+          <a:prstGeom prst="rect">
+            <a:avLst/>
+          </a:prstGeom>
+          <a:noFill/>
+        </p:spPr>
+        <p:txBody>
+          <a:bodyPr wrap="square" rtlCol="0">
+            <a:spAutoFit/>
+          </a:bodyPr>
+          <a:lstStyle/>
+          <a:p>
+            <a:r>
+              <a:rPr lang="en-GB" sz="2400" dirty="0"/>
+              <a:t>Comparison: scenario 4 using Euler integrator (</a:t>
+            </a:r>
+            <a:r>
+              <a:rPr lang="en-GB" sz="2400" dirty="0" err="1"/>
+              <a:t>img</a:t>
+            </a:r>
+            <a:r>
+              <a:rPr lang="en-GB" sz="2400" dirty="0"/>
+              <a:t> on right hand side) has no trend to stop, continues with ellipse trajectory, while with </a:t>
+            </a:r>
+            <a:r>
+              <a:rPr lang="en-GB" sz="2400" dirty="0" err="1"/>
+              <a:t>Verlet</a:t>
+            </a:r>
+            <a:r>
+              <a:rPr lang="en-GB" sz="2400" dirty="0"/>
+              <a:t> integrator it executed and land on surface in the end.</a:t>
+            </a:r>
+          </a:p>
+          <a:p>
+            <a:r>
+              <a:rPr lang="en-GB" sz="2400" dirty="0"/>
+              <a:t>In conclusion, the </a:t>
+            </a:r>
+            <a:r>
+              <a:rPr lang="en-GB" sz="2400" dirty="0" err="1"/>
+              <a:t>Verlet</a:t>
+            </a:r>
+            <a:r>
+              <a:rPr lang="en-GB" sz="2400" dirty="0"/>
+              <a:t> integrator is more accurate in use and closer </a:t>
+            </a:r>
+            <a:r>
+              <a:rPr lang="en-GB" sz="2400"/>
+              <a:t>to reality.</a:t>
+            </a:r>
+            <a:endParaRPr lang="en-GB" sz="2400" dirty="0"/>
+          </a:p>
+        </p:txBody>
+      </p:sp>
+    </p:spTree>
+    <p:extLst>
+      <p:ext uri="{BB962C8B-B14F-4D97-AF65-F5344CB8AC3E}">
+        <p14:creationId xmlns:p14="http://schemas.microsoft.com/office/powerpoint/2010/main" val="567257715"/>
+      </p:ext>
+    </p:extLst>
+  </p:cSld>
+  <p:clrMapOvr>
+    <a:masterClrMapping/>
+  </p:clrMapOvr>
+</p:sld>
+</file>
+
+<file path=ppt/slides/slide22.xml><?xml version="1.0" encoding="utf-8"?>
+<p:sld xmlns:a="http://schemas.openxmlformats.org/drawingml/2006/main" xmlns:r="http://schemas.openxmlformats.org/officeDocument/2006/relationships" xmlns:p="http://schemas.openxmlformats.org/presentationml/2006/main">
+  <p:cSld>
+    <p:spTree>
+      <p:nvGrpSpPr>
+        <p:cNvPr id="1" name=""/>
+        <p:cNvGrpSpPr/>
+        <p:nvPr/>
+      </p:nvGrpSpPr>
+      <p:grpSpPr>
+        <a:xfrm>
+          <a:off x="0" y="0"/>
+          <a:ext cx="0" cy="0"/>
+          <a:chOff x="0" y="0"/>
+          <a:chExt cx="0" cy="0"/>
+        </a:xfrm>
+      </p:grpSpPr>
+      <p:sp>
+        <p:nvSpPr>
+          <p:cNvPr id="2" name="文本框 1">
+            <a:extLst>
+              <a:ext uri="{FF2B5EF4-FFF2-40B4-BE49-F238E27FC236}">
+                <a16:creationId xmlns:a16="http://schemas.microsoft.com/office/drawing/2014/main" id="{35B4334C-ADB2-3CD3-4EEC-7D53E0603A7E}"/>
+              </a:ext>
+            </a:extLst>
+          </p:cNvPr>
+          <p:cNvSpPr txBox="1"/>
+          <p:nvPr/>
+        </p:nvSpPr>
+        <p:spPr>
+          <a:xfrm>
+            <a:off x="1667971" y="1890117"/>
+            <a:ext cx="8856057" cy="3077766"/>
+          </a:xfrm>
+          <a:prstGeom prst="rect">
+            <a:avLst/>
+          </a:prstGeom>
+          <a:noFill/>
+        </p:spPr>
+        <p:txBody>
+          <a:bodyPr wrap="square" rtlCol="0">
+            <a:spAutoFit/>
+          </a:bodyPr>
+          <a:lstStyle/>
+          <a:p>
+            <a:r>
+              <a:rPr lang="en-GB" sz="3200" b="1" dirty="0"/>
+              <a:t>A</a:t>
+            </a:r>
+            <a:r>
+              <a:rPr lang="en-US" altLang="zh-CN" sz="3200" b="1" dirty="0" err="1"/>
+              <a:t>ssignment</a:t>
+            </a:r>
+            <a:r>
+              <a:rPr lang="en-US" altLang="zh-CN" sz="3200" b="1" dirty="0"/>
+              <a:t> 5: Autopilot</a:t>
+            </a:r>
+          </a:p>
+          <a:p>
+            <a:endParaRPr lang="en-US" dirty="0"/>
+          </a:p>
+          <a:p>
+            <a:r>
+              <a:rPr lang="en-US" dirty="0"/>
+              <a:t>Implement the scheme of throttle given into the autopilot function and experiment with different constants. Resort to trial and error when tuning Kh and </a:t>
+            </a:r>
+            <a:r>
+              <a:rPr lang="en-US" dirty="0" err="1"/>
+              <a:t>Kp</a:t>
+            </a:r>
+            <a:r>
+              <a:rPr lang="en-US" dirty="0"/>
+              <a:t>. (set infinite fuel supply at first, but eventually should find suitable Kh that  brings the lander down safely.) Understand the effect of Kh.</a:t>
+            </a:r>
+          </a:p>
+          <a:p>
+            <a:endParaRPr lang="en-US" dirty="0"/>
+          </a:p>
+          <a:p>
+            <a:r>
+              <a:rPr lang="en-US" dirty="0"/>
+              <a:t>Adapt the program to output values of h and v.er at each time step. Read these values into Python and plot graphs using matplotlib of actual and target descent rate against altitude for various values of Kh.</a:t>
+            </a:r>
+          </a:p>
+        </p:txBody>
+      </p:sp>
+    </p:spTree>
+    <p:extLst>
+      <p:ext uri="{BB962C8B-B14F-4D97-AF65-F5344CB8AC3E}">
+        <p14:creationId xmlns:p14="http://schemas.microsoft.com/office/powerpoint/2010/main" val="781158346"/>
+      </p:ext>
+    </p:extLst>
+  </p:cSld>
+  <p:clrMapOvr>
+    <a:masterClrMapping/>
+  </p:clrMapOvr>
+</p:sld>
+</file>
+
+<file path=ppt/slides/slide23.xml><?xml version="1.0" encoding="utf-8"?>
+<p:sld xmlns:a="http://schemas.openxmlformats.org/drawingml/2006/main" xmlns:r="http://schemas.openxmlformats.org/officeDocument/2006/relationships" xmlns:p="http://schemas.openxmlformats.org/presentationml/2006/main">
+  <p:cSld>
+    <p:spTree>
+      <p:nvGrpSpPr>
+        <p:cNvPr id="1" name=""/>
+        <p:cNvGrpSpPr/>
+        <p:nvPr/>
+      </p:nvGrpSpPr>
+      <p:grpSpPr>
+        <a:xfrm>
+          <a:off x="0" y="0"/>
+          <a:ext cx="0" cy="0"/>
+          <a:chOff x="0" y="0"/>
+          <a:chExt cx="0" cy="0"/>
+        </a:xfrm>
+      </p:grpSpPr>
+      <p:pic>
+        <p:nvPicPr>
+          <p:cNvPr id="5" name="图片 4">
+            <a:extLst>
+              <a:ext uri="{FF2B5EF4-FFF2-40B4-BE49-F238E27FC236}">
+                <a16:creationId xmlns:a16="http://schemas.microsoft.com/office/drawing/2014/main" id="{D90F78BB-6DEE-C2E8-B663-A0CD5F7B9A2B}"/>
+              </a:ext>
+            </a:extLst>
+          </p:cNvPr>
+          <p:cNvPicPr>
+            <a:picLocks noChangeAspect="1"/>
+          </p:cNvPicPr>
+          <p:nvPr/>
+        </p:nvPicPr>
+        <p:blipFill>
+          <a:blip r:embed="rId2"/>
+          <a:stretch>
+            <a:fillRect/>
+          </a:stretch>
+        </p:blipFill>
+        <p:spPr>
+          <a:xfrm>
+            <a:off x="0" y="0"/>
+            <a:ext cx="9403038" cy="4734832"/>
+          </a:xfrm>
+          <a:prstGeom prst="rect">
+            <a:avLst/>
+          </a:prstGeom>
+        </p:spPr>
+      </p:pic>
+      <p:pic>
+        <p:nvPicPr>
+          <p:cNvPr id="7" name="图片 6">
+            <a:extLst>
+              <a:ext uri="{FF2B5EF4-FFF2-40B4-BE49-F238E27FC236}">
+                <a16:creationId xmlns:a16="http://schemas.microsoft.com/office/drawing/2014/main" id="{DE37AC83-15A0-ED5E-3CD2-A30609DD4BE9}"/>
+              </a:ext>
+            </a:extLst>
+          </p:cNvPr>
+          <p:cNvPicPr>
+            <a:picLocks noChangeAspect="1"/>
+          </p:cNvPicPr>
+          <p:nvPr/>
+        </p:nvPicPr>
+        <p:blipFill>
+          <a:blip r:embed="rId3"/>
+          <a:stretch>
+            <a:fillRect/>
+          </a:stretch>
+        </p:blipFill>
+        <p:spPr>
+          <a:xfrm>
+            <a:off x="-63729" y="4614109"/>
+            <a:ext cx="9029384" cy="2243891"/>
+          </a:xfrm>
+          <a:prstGeom prst="rect">
+            <a:avLst/>
+          </a:prstGeom>
+        </p:spPr>
+      </p:pic>
+      <p:sp>
+        <p:nvSpPr>
+          <p:cNvPr id="8" name="文本框 7">
+            <a:extLst>
+              <a:ext uri="{FF2B5EF4-FFF2-40B4-BE49-F238E27FC236}">
+                <a16:creationId xmlns:a16="http://schemas.microsoft.com/office/drawing/2014/main" id="{FB745607-5248-7E02-C803-DFFCFE7CCB85}"/>
+              </a:ext>
+            </a:extLst>
+          </p:cNvPr>
+          <p:cNvSpPr txBox="1"/>
+          <p:nvPr/>
+        </p:nvSpPr>
+        <p:spPr>
+          <a:xfrm>
+            <a:off x="9403038" y="1003176"/>
+            <a:ext cx="2788962" cy="646331"/>
+          </a:xfrm>
+          <a:prstGeom prst="rect">
+            <a:avLst/>
+          </a:prstGeom>
+          <a:noFill/>
+        </p:spPr>
+        <p:txBody>
+          <a:bodyPr wrap="square" rtlCol="0">
+            <a:spAutoFit/>
+          </a:bodyPr>
+          <a:lstStyle/>
+          <a:p>
+            <a:r>
+              <a:rPr lang="en-GB" dirty="0"/>
+              <a:t>Code of Autopilot system and output of data</a:t>
+            </a:r>
+          </a:p>
+        </p:txBody>
+      </p:sp>
+    </p:spTree>
+    <p:extLst>
+      <p:ext uri="{BB962C8B-B14F-4D97-AF65-F5344CB8AC3E}">
+        <p14:creationId xmlns:p14="http://schemas.microsoft.com/office/powerpoint/2010/main" val="2826595759"/>
+      </p:ext>
+    </p:extLst>
+  </p:cSld>
+  <p:clrMapOvr>
+    <a:masterClrMapping/>
+  </p:clrMapOvr>
+</p:sld>
+</file>
+
+<file path=ppt/slides/slide24.xml><?xml version="1.0" encoding="utf-8"?>
+<p:sld xmlns:a="http://schemas.openxmlformats.org/drawingml/2006/main" xmlns:r="http://schemas.openxmlformats.org/officeDocument/2006/relationships" xmlns:p="http://schemas.openxmlformats.org/presentationml/2006/main">
+  <p:cSld>
+    <p:spTree>
+      <p:nvGrpSpPr>
+        <p:cNvPr id="1" name=""/>
+        <p:cNvGrpSpPr/>
+        <p:nvPr/>
+      </p:nvGrpSpPr>
+      <p:grpSpPr>
+        <a:xfrm>
+          <a:off x="0" y="0"/>
+          <a:ext cx="0" cy="0"/>
+          <a:chOff x="0" y="0"/>
+          <a:chExt cx="0" cy="0"/>
+        </a:xfrm>
+      </p:grpSpPr>
+      <p:pic>
+        <p:nvPicPr>
+          <p:cNvPr id="3" name="图片 2" descr="图表, 折线图&#10;&#10;描述已自动生成">
+            <a:extLst>
+              <a:ext uri="{FF2B5EF4-FFF2-40B4-BE49-F238E27FC236}">
+                <a16:creationId xmlns:a16="http://schemas.microsoft.com/office/drawing/2014/main" id="{30A53CBE-DC73-7B7B-B18A-D86D8703134B}"/>
+              </a:ext>
+            </a:extLst>
+          </p:cNvPr>
+          <p:cNvPicPr>
+            <a:picLocks noChangeAspect="1"/>
+          </p:cNvPicPr>
+          <p:nvPr/>
+        </p:nvPicPr>
+        <p:blipFill>
+          <a:blip r:embed="rId2">
+            <a:extLst>
+              <a:ext uri="{28A0092B-C50C-407E-A947-70E740481C1C}">
+                <a14:useLocalDpi xmlns:a14="http://schemas.microsoft.com/office/drawing/2010/main" val="0"/>
+              </a:ext>
+            </a:extLst>
+          </a:blip>
+          <a:stretch>
+            <a:fillRect/>
+          </a:stretch>
+        </p:blipFill>
+        <p:spPr>
+          <a:xfrm>
+            <a:off x="5859846" y="1991252"/>
+            <a:ext cx="6258177" cy="4693633"/>
+          </a:xfrm>
+          <a:prstGeom prst="rect">
+            <a:avLst/>
+          </a:prstGeom>
+        </p:spPr>
+      </p:pic>
+      <p:pic>
+        <p:nvPicPr>
+          <p:cNvPr id="5" name="图片 4" descr="图表, 折线图&#10;&#10;描述已自动生成">
+            <a:extLst>
+              <a:ext uri="{FF2B5EF4-FFF2-40B4-BE49-F238E27FC236}">
+                <a16:creationId xmlns:a16="http://schemas.microsoft.com/office/drawing/2014/main" id="{42FC70CA-ED9D-85CF-CDC0-5A503563CF62}"/>
+              </a:ext>
+            </a:extLst>
+          </p:cNvPr>
+          <p:cNvPicPr>
+            <a:picLocks noChangeAspect="1"/>
+          </p:cNvPicPr>
+          <p:nvPr/>
+        </p:nvPicPr>
+        <p:blipFill>
+          <a:blip r:embed="rId3">
+            <a:extLst>
+              <a:ext uri="{28A0092B-C50C-407E-A947-70E740481C1C}">
+                <a14:useLocalDpi xmlns:a14="http://schemas.microsoft.com/office/drawing/2010/main" val="0"/>
+              </a:ext>
+            </a:extLst>
+          </a:blip>
+          <a:stretch>
+            <a:fillRect/>
+          </a:stretch>
+        </p:blipFill>
+        <p:spPr>
+          <a:xfrm>
+            <a:off x="101785" y="1991252"/>
+            <a:ext cx="6258177" cy="4693633"/>
+          </a:xfrm>
+          <a:prstGeom prst="rect">
+            <a:avLst/>
+          </a:prstGeom>
+        </p:spPr>
+      </p:pic>
+      <p:sp>
+        <p:nvSpPr>
+          <p:cNvPr id="6" name="文本框 5">
+            <a:extLst>
+              <a:ext uri="{FF2B5EF4-FFF2-40B4-BE49-F238E27FC236}">
+                <a16:creationId xmlns:a16="http://schemas.microsoft.com/office/drawing/2014/main" id="{825023A0-8850-53C3-D48C-F55B9235F995}"/>
+              </a:ext>
+            </a:extLst>
+          </p:cNvPr>
+          <p:cNvSpPr txBox="1"/>
+          <p:nvPr/>
+        </p:nvSpPr>
+        <p:spPr>
+          <a:xfrm>
+            <a:off x="1740023" y="1991252"/>
+            <a:ext cx="1899822" cy="369332"/>
+          </a:xfrm>
+          <a:prstGeom prst="rect">
+            <a:avLst/>
+          </a:prstGeom>
+          <a:noFill/>
+        </p:spPr>
+        <p:txBody>
+          <a:bodyPr wrap="square" rtlCol="0">
+            <a:spAutoFit/>
+          </a:bodyPr>
+          <a:lstStyle/>
+          <a:p>
+            <a:r>
+              <a:rPr lang="en-GB" dirty="0"/>
+              <a:t>Kh=0.01</a:t>
+            </a:r>
+          </a:p>
+        </p:txBody>
+      </p:sp>
+      <p:sp>
+        <p:nvSpPr>
+          <p:cNvPr id="7" name="文本框 6">
+            <a:extLst>
+              <a:ext uri="{FF2B5EF4-FFF2-40B4-BE49-F238E27FC236}">
+                <a16:creationId xmlns:a16="http://schemas.microsoft.com/office/drawing/2014/main" id="{5CE52955-EB66-0A98-01B6-95419F1DD85B}"/>
+              </a:ext>
+            </a:extLst>
+          </p:cNvPr>
+          <p:cNvSpPr txBox="1"/>
+          <p:nvPr/>
+        </p:nvSpPr>
+        <p:spPr>
+          <a:xfrm>
+            <a:off x="7253056" y="1991252"/>
+            <a:ext cx="2237173" cy="369332"/>
+          </a:xfrm>
+          <a:prstGeom prst="rect">
+            <a:avLst/>
+          </a:prstGeom>
+          <a:noFill/>
+        </p:spPr>
+        <p:txBody>
+          <a:bodyPr wrap="square" rtlCol="0">
+            <a:spAutoFit/>
+          </a:bodyPr>
+          <a:lstStyle/>
+          <a:p>
+            <a:r>
+              <a:rPr lang="en-GB" dirty="0"/>
+              <a:t>Kh=0.008</a:t>
+            </a:r>
+          </a:p>
+        </p:txBody>
+      </p:sp>
+      <p:sp>
+        <p:nvSpPr>
+          <p:cNvPr id="8" name="文本框 7">
+            <a:extLst>
+              <a:ext uri="{FF2B5EF4-FFF2-40B4-BE49-F238E27FC236}">
+                <a16:creationId xmlns:a16="http://schemas.microsoft.com/office/drawing/2014/main" id="{42594A55-C033-0D9E-212E-E430DC90DB12}"/>
+              </a:ext>
+            </a:extLst>
+          </p:cNvPr>
+          <p:cNvSpPr txBox="1"/>
+          <p:nvPr/>
+        </p:nvSpPr>
+        <p:spPr>
+          <a:xfrm>
+            <a:off x="497150" y="603682"/>
+            <a:ext cx="4740675" cy="646331"/>
+          </a:xfrm>
+          <a:prstGeom prst="rect">
+            <a:avLst/>
+          </a:prstGeom>
+          <a:noFill/>
+        </p:spPr>
+        <p:txBody>
+          <a:bodyPr wrap="square" rtlCol="0">
+            <a:spAutoFit/>
+          </a:bodyPr>
+          <a:lstStyle/>
+          <a:p>
+            <a:r>
+              <a:rPr lang="en-GB" dirty="0"/>
+              <a:t>Plots of Target and Actual descent rates against altitude for different values of Kh</a:t>
+            </a:r>
+          </a:p>
+        </p:txBody>
+      </p:sp>
+    </p:spTree>
+    <p:extLst>
+      <p:ext uri="{BB962C8B-B14F-4D97-AF65-F5344CB8AC3E}">
+        <p14:creationId xmlns:p14="http://schemas.microsoft.com/office/powerpoint/2010/main" val="1607499853"/>
       </p:ext>
     </p:extLst>
   </p:cSld>
